--- a/Reports/Forum Presentation.pptx
+++ b/Reports/Forum Presentation.pptx
@@ -584,7 +584,12 @@
             <p:ph type="sldImg"/>
           </p:nvPr>
         </p:nvSpPr>
-        <p:spPr/>
+        <p:spPr>
+          <a:xfrm>
+            <a:off x="1155700" y="685800"/>
+            <a:ext cx="4572000" cy="3429000"/>
+          </a:xfrm>
+        </p:spPr>
       </p:sp>
       <p:sp>
         <p:nvSpPr>
@@ -1411,12 +1416,12 @@
               <a:t>Food insecurity was measured by the Adult Food Security Category, captured during the Food Security Questionnaire. NHANES uses the 12-month scale of the US Household Food Security Survey Module (FSSM) and scores it according to USDA guidelines as full, marginal, low or very low. </a:t>
             </a:r>
             <a:r>
-              <a:rPr lang="en-US" baseline="0" dirty="0" err="1" smtClean="0"/>
-              <a:t>Additionaly</a:t>
-            </a:r>
-            <a:r>
               <a:rPr lang="en-US" baseline="0" dirty="0" smtClean="0"/>
-              <a:t>, according to USDA guidelines we defined food secure as Full  or Marginal and Food Insecure as Low or Very Low food security. </a:t>
+              <a:t>Additionally, </a:t>
+            </a:r>
+            <a:r>
+              <a:rPr lang="en-US" baseline="0" dirty="0" smtClean="0"/>
+              <a:t>according to USDA guidelines we defined food secure as Full  or Marginal and Food Insecure as Low or Very Low food security. </a:t>
             </a:r>
             <a:r>
               <a:rPr lang="en-US" dirty="0" smtClean="0"/>
@@ -6713,7 +6718,7 @@
         </p:spPr>
         <p:txBody>
           <a:bodyPr>
-            <a:normAutofit fontScale="92500"/>
+            <a:normAutofit lnSpcReduction="10000"/>
           </a:bodyPr>
           <a:lstStyle/>
           <a:p>
@@ -6785,7 +6790,23 @@
                   <a:srgbClr val="ACCBF9"/>
                 </a:solidFill>
               </a:rPr>
-              <a:t>Results were adjusted for age, race, education, income, physical activity, alcohol use, smoking status, and NHANES cycle</a:t>
+              <a:t>Results were adjusted for age, race, education, income, physical activity, </a:t>
+            </a:r>
+            <a:r>
+              <a:rPr lang="en-US" dirty="0" smtClean="0">
+                <a:solidFill>
+                  <a:srgbClr val="ACCBF9"/>
+                </a:solidFill>
+              </a:rPr>
+              <a:t>smoking </a:t>
+            </a:r>
+            <a:r>
+              <a:rPr lang="en-US" dirty="0">
+                <a:solidFill>
+                  <a:srgbClr val="ACCBF9"/>
+                </a:solidFill>
+              </a:rPr>
+              <a:t>status, and NHANES cycle</a:t>
             </a:r>
             <a:r>
               <a:rPr lang="en-US" dirty="0" smtClean="0">
